--- a/Docker_Workshop.pptx
+++ b/Docker_Workshop.pptx
@@ -24,7 +24,7 @@
     <p:sldId id="296" r:id="rId18"/>
     <p:sldId id="281" r:id="rId19"/>
     <p:sldId id="291" r:id="rId20"/>
-    <p:sldId id="294" r:id="rId21"/>
+    <p:sldId id="297" r:id="rId21"/>
   </p:sldIdLst>
   <p:sldSz cx="12192000" cy="6858000"/>
   <p:notesSz cx="6858000" cy="9144000"/>
@@ -260,9 +260,9 @@
           <a:p>
             <a:fld id="{65B35FDC-91C2-4364-8307-B5F5F0CF283D}" type="datetimeFigureOut">
               <a:rPr lang="cs-CZ" smtClean="0"/>
-              <a:t>10.03.2017</a:t>
+              <a:t>15.03.2017</a:t>
             </a:fld>
-            <a:endParaRPr lang="cs-CZ"/>
+            <a:endParaRPr lang="cs-CZ" dirty="0"/>
           </a:p>
         </p:txBody>
       </p:sp>
@@ -281,7 +281,7 @@
           <a:bodyPr/>
           <a:lstStyle/>
           <a:p>
-            <a:endParaRPr lang="cs-CZ"/>
+            <a:endParaRPr lang="cs-CZ" dirty="0"/>
           </a:p>
         </p:txBody>
       </p:sp>
@@ -304,7 +304,7 @@
               <a:rPr lang="cs-CZ" smtClean="0"/>
               <a:t>‹#›</a:t>
             </a:fld>
-            <a:endParaRPr lang="cs-CZ"/>
+            <a:endParaRPr lang="cs-CZ" dirty="0"/>
           </a:p>
         </p:txBody>
       </p:sp>
@@ -428,9 +428,9 @@
           <a:p>
             <a:fld id="{65B35FDC-91C2-4364-8307-B5F5F0CF283D}" type="datetimeFigureOut">
               <a:rPr lang="cs-CZ" smtClean="0"/>
-              <a:t>10.03.2017</a:t>
+              <a:t>15.03.2017</a:t>
             </a:fld>
-            <a:endParaRPr lang="cs-CZ"/>
+            <a:endParaRPr lang="cs-CZ" dirty="0"/>
           </a:p>
         </p:txBody>
       </p:sp>
@@ -449,7 +449,7 @@
           <a:bodyPr/>
           <a:lstStyle/>
           <a:p>
-            <a:endParaRPr lang="cs-CZ"/>
+            <a:endParaRPr lang="cs-CZ" dirty="0"/>
           </a:p>
         </p:txBody>
       </p:sp>
@@ -472,7 +472,7 @@
               <a:rPr lang="cs-CZ" smtClean="0"/>
               <a:t>‹#›</a:t>
             </a:fld>
-            <a:endParaRPr lang="cs-CZ"/>
+            <a:endParaRPr lang="cs-CZ" dirty="0"/>
           </a:p>
         </p:txBody>
       </p:sp>
@@ -606,9 +606,9 @@
           <a:p>
             <a:fld id="{65B35FDC-91C2-4364-8307-B5F5F0CF283D}" type="datetimeFigureOut">
               <a:rPr lang="cs-CZ" smtClean="0"/>
-              <a:t>10.03.2017</a:t>
+              <a:t>15.03.2017</a:t>
             </a:fld>
-            <a:endParaRPr lang="cs-CZ"/>
+            <a:endParaRPr lang="cs-CZ" dirty="0"/>
           </a:p>
         </p:txBody>
       </p:sp>
@@ -627,7 +627,7 @@
           <a:bodyPr/>
           <a:lstStyle/>
           <a:p>
-            <a:endParaRPr lang="cs-CZ"/>
+            <a:endParaRPr lang="cs-CZ" dirty="0"/>
           </a:p>
         </p:txBody>
       </p:sp>
@@ -650,7 +650,7 @@
               <a:rPr lang="cs-CZ" smtClean="0"/>
               <a:t>‹#›</a:t>
             </a:fld>
-            <a:endParaRPr lang="cs-CZ"/>
+            <a:endParaRPr lang="cs-CZ" dirty="0"/>
           </a:p>
         </p:txBody>
       </p:sp>
@@ -774,9 +774,9 @@
           <a:p>
             <a:fld id="{65B35FDC-91C2-4364-8307-B5F5F0CF283D}" type="datetimeFigureOut">
               <a:rPr lang="cs-CZ" smtClean="0"/>
-              <a:t>10.03.2017</a:t>
+              <a:t>15.03.2017</a:t>
             </a:fld>
-            <a:endParaRPr lang="cs-CZ"/>
+            <a:endParaRPr lang="cs-CZ" dirty="0"/>
           </a:p>
         </p:txBody>
       </p:sp>
@@ -795,7 +795,7 @@
           <a:bodyPr/>
           <a:lstStyle/>
           <a:p>
-            <a:endParaRPr lang="cs-CZ"/>
+            <a:endParaRPr lang="cs-CZ" dirty="0"/>
           </a:p>
         </p:txBody>
       </p:sp>
@@ -818,7 +818,7 @@
               <a:rPr lang="cs-CZ" smtClean="0"/>
               <a:t>‹#›</a:t>
             </a:fld>
-            <a:endParaRPr lang="cs-CZ"/>
+            <a:endParaRPr lang="cs-CZ" dirty="0"/>
           </a:p>
         </p:txBody>
       </p:sp>
@@ -1019,9 +1019,9 @@
           <a:p>
             <a:fld id="{65B35FDC-91C2-4364-8307-B5F5F0CF283D}" type="datetimeFigureOut">
               <a:rPr lang="cs-CZ" smtClean="0"/>
-              <a:t>10.03.2017</a:t>
+              <a:t>15.03.2017</a:t>
             </a:fld>
-            <a:endParaRPr lang="cs-CZ"/>
+            <a:endParaRPr lang="cs-CZ" dirty="0"/>
           </a:p>
         </p:txBody>
       </p:sp>
@@ -1040,7 +1040,7 @@
           <a:bodyPr/>
           <a:lstStyle/>
           <a:p>
-            <a:endParaRPr lang="cs-CZ"/>
+            <a:endParaRPr lang="cs-CZ" dirty="0"/>
           </a:p>
         </p:txBody>
       </p:sp>
@@ -1063,7 +1063,7 @@
               <a:rPr lang="cs-CZ" smtClean="0"/>
               <a:t>‹#›</a:t>
             </a:fld>
-            <a:endParaRPr lang="cs-CZ"/>
+            <a:endParaRPr lang="cs-CZ" dirty="0"/>
           </a:p>
         </p:txBody>
       </p:sp>
@@ -1248,9 +1248,9 @@
           <a:p>
             <a:fld id="{65B35FDC-91C2-4364-8307-B5F5F0CF283D}" type="datetimeFigureOut">
               <a:rPr lang="cs-CZ" smtClean="0"/>
-              <a:t>10.03.2017</a:t>
+              <a:t>15.03.2017</a:t>
             </a:fld>
-            <a:endParaRPr lang="cs-CZ"/>
+            <a:endParaRPr lang="cs-CZ" dirty="0"/>
           </a:p>
         </p:txBody>
       </p:sp>
@@ -1269,7 +1269,7 @@
           <a:bodyPr/>
           <a:lstStyle/>
           <a:p>
-            <a:endParaRPr lang="cs-CZ"/>
+            <a:endParaRPr lang="cs-CZ" dirty="0"/>
           </a:p>
         </p:txBody>
       </p:sp>
@@ -1292,7 +1292,7 @@
               <a:rPr lang="cs-CZ" smtClean="0"/>
               <a:t>‹#›</a:t>
             </a:fld>
-            <a:endParaRPr lang="cs-CZ"/>
+            <a:endParaRPr lang="cs-CZ" dirty="0"/>
           </a:p>
         </p:txBody>
       </p:sp>
@@ -1612,9 +1612,9 @@
           <a:p>
             <a:fld id="{65B35FDC-91C2-4364-8307-B5F5F0CF283D}" type="datetimeFigureOut">
               <a:rPr lang="cs-CZ" smtClean="0"/>
-              <a:t>10.03.2017</a:t>
+              <a:t>15.03.2017</a:t>
             </a:fld>
-            <a:endParaRPr lang="cs-CZ"/>
+            <a:endParaRPr lang="cs-CZ" dirty="0"/>
           </a:p>
         </p:txBody>
       </p:sp>
@@ -1633,7 +1633,7 @@
           <a:bodyPr/>
           <a:lstStyle/>
           <a:p>
-            <a:endParaRPr lang="cs-CZ"/>
+            <a:endParaRPr lang="cs-CZ" dirty="0"/>
           </a:p>
         </p:txBody>
       </p:sp>
@@ -1656,7 +1656,7 @@
               <a:rPr lang="cs-CZ" smtClean="0"/>
               <a:t>‹#›</a:t>
             </a:fld>
-            <a:endParaRPr lang="cs-CZ"/>
+            <a:endParaRPr lang="cs-CZ" dirty="0"/>
           </a:p>
         </p:txBody>
       </p:sp>
@@ -1729,9 +1729,9 @@
           <a:p>
             <a:fld id="{65B35FDC-91C2-4364-8307-B5F5F0CF283D}" type="datetimeFigureOut">
               <a:rPr lang="cs-CZ" smtClean="0"/>
-              <a:t>10.03.2017</a:t>
+              <a:t>15.03.2017</a:t>
             </a:fld>
-            <a:endParaRPr lang="cs-CZ"/>
+            <a:endParaRPr lang="cs-CZ" dirty="0"/>
           </a:p>
         </p:txBody>
       </p:sp>
@@ -1750,7 +1750,7 @@
           <a:bodyPr/>
           <a:lstStyle/>
           <a:p>
-            <a:endParaRPr lang="cs-CZ"/>
+            <a:endParaRPr lang="cs-CZ" dirty="0"/>
           </a:p>
         </p:txBody>
       </p:sp>
@@ -1773,7 +1773,7 @@
               <a:rPr lang="cs-CZ" smtClean="0"/>
               <a:t>‹#›</a:t>
             </a:fld>
-            <a:endParaRPr lang="cs-CZ"/>
+            <a:endParaRPr lang="cs-CZ" dirty="0"/>
           </a:p>
         </p:txBody>
       </p:sp>
@@ -1824,9 +1824,9 @@
           <a:p>
             <a:fld id="{65B35FDC-91C2-4364-8307-B5F5F0CF283D}" type="datetimeFigureOut">
               <a:rPr lang="cs-CZ" smtClean="0"/>
-              <a:t>10.03.2017</a:t>
+              <a:t>15.03.2017</a:t>
             </a:fld>
-            <a:endParaRPr lang="cs-CZ"/>
+            <a:endParaRPr lang="cs-CZ" dirty="0"/>
           </a:p>
         </p:txBody>
       </p:sp>
@@ -1845,7 +1845,7 @@
           <a:bodyPr/>
           <a:lstStyle/>
           <a:p>
-            <a:endParaRPr lang="cs-CZ"/>
+            <a:endParaRPr lang="cs-CZ" dirty="0"/>
           </a:p>
         </p:txBody>
       </p:sp>
@@ -1868,7 +1868,7 @@
               <a:rPr lang="cs-CZ" smtClean="0"/>
               <a:t>‹#›</a:t>
             </a:fld>
-            <a:endParaRPr lang="cs-CZ"/>
+            <a:endParaRPr lang="cs-CZ" dirty="0"/>
           </a:p>
         </p:txBody>
       </p:sp>
@@ -2099,9 +2099,9 @@
           <a:p>
             <a:fld id="{65B35FDC-91C2-4364-8307-B5F5F0CF283D}" type="datetimeFigureOut">
               <a:rPr lang="cs-CZ" smtClean="0"/>
-              <a:t>10.03.2017</a:t>
+              <a:t>15.03.2017</a:t>
             </a:fld>
-            <a:endParaRPr lang="cs-CZ"/>
+            <a:endParaRPr lang="cs-CZ" dirty="0"/>
           </a:p>
         </p:txBody>
       </p:sp>
@@ -2120,7 +2120,7 @@
           <a:bodyPr/>
           <a:lstStyle/>
           <a:p>
-            <a:endParaRPr lang="cs-CZ"/>
+            <a:endParaRPr lang="cs-CZ" dirty="0"/>
           </a:p>
         </p:txBody>
       </p:sp>
@@ -2143,7 +2143,7 @@
               <a:rPr lang="cs-CZ" smtClean="0"/>
               <a:t>‹#›</a:t>
             </a:fld>
-            <a:endParaRPr lang="cs-CZ"/>
+            <a:endParaRPr lang="cs-CZ" dirty="0"/>
           </a:p>
         </p:txBody>
       </p:sp>
@@ -2265,7 +2265,7 @@
             </a:lvl9pPr>
           </a:lstStyle>
           <a:p>
-            <a:endParaRPr lang="cs-CZ"/>
+            <a:endParaRPr lang="cs-CZ" dirty="0"/>
           </a:p>
         </p:txBody>
       </p:sp>
@@ -2351,9 +2351,9 @@
           <a:p>
             <a:fld id="{65B35FDC-91C2-4364-8307-B5F5F0CF283D}" type="datetimeFigureOut">
               <a:rPr lang="cs-CZ" smtClean="0"/>
-              <a:t>10.03.2017</a:t>
+              <a:t>15.03.2017</a:t>
             </a:fld>
-            <a:endParaRPr lang="cs-CZ"/>
+            <a:endParaRPr lang="cs-CZ" dirty="0"/>
           </a:p>
         </p:txBody>
       </p:sp>
@@ -2372,7 +2372,7 @@
           <a:bodyPr/>
           <a:lstStyle/>
           <a:p>
-            <a:endParaRPr lang="cs-CZ"/>
+            <a:endParaRPr lang="cs-CZ" dirty="0"/>
           </a:p>
         </p:txBody>
       </p:sp>
@@ -2395,7 +2395,7 @@
               <a:rPr lang="cs-CZ" smtClean="0"/>
               <a:t>‹#›</a:t>
             </a:fld>
-            <a:endParaRPr lang="cs-CZ"/>
+            <a:endParaRPr lang="cs-CZ" dirty="0"/>
           </a:p>
         </p:txBody>
       </p:sp>
@@ -2562,9 +2562,9 @@
           <a:p>
             <a:fld id="{65B35FDC-91C2-4364-8307-B5F5F0CF283D}" type="datetimeFigureOut">
               <a:rPr lang="cs-CZ" smtClean="0"/>
-              <a:t>10.03.2017</a:t>
+              <a:t>15.03.2017</a:t>
             </a:fld>
-            <a:endParaRPr lang="cs-CZ"/>
+            <a:endParaRPr lang="cs-CZ" dirty="0"/>
           </a:p>
         </p:txBody>
       </p:sp>
@@ -2601,7 +2601,7 @@
             </a:lvl1pPr>
           </a:lstStyle>
           <a:p>
-            <a:endParaRPr lang="cs-CZ"/>
+            <a:endParaRPr lang="cs-CZ" dirty="0"/>
           </a:p>
         </p:txBody>
       </p:sp>
@@ -2642,7 +2642,7 @@
               <a:rPr lang="cs-CZ" smtClean="0"/>
               <a:t>‹#›</a:t>
             </a:fld>
-            <a:endParaRPr lang="cs-CZ"/>
+            <a:endParaRPr lang="cs-CZ" dirty="0"/>
           </a:p>
         </p:txBody>
       </p:sp>
@@ -3025,7 +3025,7 @@
           <a:lstStyle/>
           <a:p>
             <a:pPr algn="ctr"/>
-            <a:endParaRPr lang="cs-CZ"/>
+            <a:endParaRPr lang="cs-CZ" dirty="0"/>
           </a:p>
         </p:txBody>
       </p:sp>
@@ -3552,21 +3552,8 @@
                   <a:schemeClr val="bg1"/>
                 </a:solidFill>
               </a:rPr>
-              <a:t>Instalace </a:t>
-            </a:r>
-            <a:r>
-              <a:rPr lang="cs-CZ" dirty="0" err="1">
-                <a:solidFill>
-                  <a:schemeClr val="bg1"/>
-                </a:solidFill>
-              </a:rPr>
-              <a:t>Dockeru</a:t>
-            </a:r>
-            <a:endParaRPr lang="cs-CZ" dirty="0">
-              <a:solidFill>
-                <a:schemeClr val="bg1"/>
-              </a:solidFill>
-            </a:endParaRPr>
+              <a:t>Instalace Dockeru</a:t>
+            </a:r>
           </a:p>
         </p:txBody>
       </p:sp>
@@ -3673,18 +3660,13 @@
           <a:lstStyle/>
           <a:p>
             <a:r>
-              <a:rPr lang="cs-CZ" dirty="0" err="1">
+              <a:rPr lang="cs-CZ" dirty="0">
                 <a:solidFill>
                   <a:schemeClr val="bg1"/>
                 </a:solidFill>
               </a:rPr>
               <a:t>Dockerfile</a:t>
             </a:r>
-            <a:endParaRPr lang="cs-CZ" dirty="0">
-              <a:solidFill>
-                <a:schemeClr val="bg1"/>
-              </a:solidFill>
-            </a:endParaRPr>
           </a:p>
         </p:txBody>
       </p:sp>
@@ -4564,37 +4546,8 @@
                   <a:schemeClr val="bg1"/>
                 </a:solidFill>
               </a:rPr>
-              <a:t>Velrybí cluster aneb </a:t>
-            </a:r>
-            <a:r>
-              <a:rPr lang="cs-CZ" dirty="0" err="1">
-                <a:solidFill>
-                  <a:schemeClr val="bg1"/>
-                </a:solidFill>
-              </a:rPr>
-              <a:t>Docker</a:t>
-            </a:r>
-            <a:r>
-              <a:rPr lang="cs-CZ" dirty="0">
-                <a:solidFill>
-                  <a:schemeClr val="bg1"/>
-                </a:solidFill>
-              </a:rPr>
-              <a:t> </a:t>
-            </a:r>
-            <a:r>
-              <a:rPr lang="cs-CZ" dirty="0" err="1">
-                <a:solidFill>
-                  <a:schemeClr val="bg1"/>
-                </a:solidFill>
-              </a:rPr>
-              <a:t>Swarm</a:t>
-            </a:r>
-            <a:endParaRPr lang="cs-CZ" dirty="0">
-              <a:solidFill>
-                <a:schemeClr val="bg1"/>
-              </a:solidFill>
-            </a:endParaRPr>
+              <a:t>Velrybí cluster aneb Docker Swarm</a:t>
+            </a:r>
           </a:p>
         </p:txBody>
       </p:sp>
@@ -4634,34 +4587,13 @@
           </a:p>
           <a:p>
             <a:r>
-              <a:rPr lang="cs-CZ" dirty="0" err="1">
-                <a:solidFill>
-                  <a:schemeClr val="bg1"/>
-                </a:solidFill>
-              </a:rPr>
-              <a:t>load</a:t>
-            </a:r>
-            <a:r>
               <a:rPr lang="cs-CZ" dirty="0">
                 <a:solidFill>
                   <a:schemeClr val="bg1"/>
                 </a:solidFill>
               </a:rPr>
-              <a:t> </a:t>
-            </a:r>
-            <a:r>
-              <a:rPr lang="cs-CZ" dirty="0" err="1">
-                <a:solidFill>
-                  <a:schemeClr val="bg1"/>
-                </a:solidFill>
-              </a:rPr>
-              <a:t>balancing</a:t>
-            </a:r>
-            <a:endParaRPr lang="cs-CZ" dirty="0">
-              <a:solidFill>
-                <a:schemeClr val="bg1"/>
-              </a:solidFill>
-            </a:endParaRPr>
+              <a:t>load balancing</a:t>
+            </a:r>
           </a:p>
           <a:p>
             <a:endParaRPr lang="cs-CZ" dirty="0">
@@ -4806,130 +4738,43 @@
           <a:lstStyle/>
           <a:p>
             <a:r>
-              <a:rPr lang="cs-CZ" dirty="0" err="1">
-                <a:solidFill>
-                  <a:schemeClr val="bg1"/>
-                </a:solidFill>
-              </a:rPr>
-              <a:t>docker</a:t>
-            </a:r>
-            <a:r>
               <a:rPr lang="cs-CZ" dirty="0">
                 <a:solidFill>
                   <a:schemeClr val="bg1"/>
                 </a:solidFill>
               </a:rPr>
-              <a:t> </a:t>
-            </a:r>
-            <a:r>
-              <a:rPr lang="cs-CZ" dirty="0" err="1">
-                <a:solidFill>
-                  <a:schemeClr val="bg1"/>
-                </a:solidFill>
-              </a:rPr>
-              <a:t>logs</a:t>
-            </a:r>
-            <a:endParaRPr lang="cs-CZ" dirty="0">
-              <a:solidFill>
-                <a:schemeClr val="bg1"/>
-              </a:solidFill>
-            </a:endParaRPr>
-          </a:p>
-          <a:p>
-            <a:r>
-              <a:rPr lang="cs-CZ" dirty="0" err="1">
-                <a:solidFill>
-                  <a:schemeClr val="bg1"/>
-                </a:solidFill>
-              </a:rPr>
-              <a:t>docker</a:t>
-            </a:r>
+              <a:t>docker logs</a:t>
+            </a:r>
+          </a:p>
+          <a:p>
             <a:r>
               <a:rPr lang="cs-CZ" dirty="0">
                 <a:solidFill>
                   <a:schemeClr val="bg1"/>
                 </a:solidFill>
               </a:rPr>
-              <a:t> </a:t>
-            </a:r>
-            <a:r>
-              <a:rPr lang="cs-CZ" dirty="0" err="1">
-                <a:solidFill>
-                  <a:schemeClr val="bg1"/>
-                </a:solidFill>
-              </a:rPr>
-              <a:t>events</a:t>
-            </a:r>
+              <a:t>docker events&amp;</a:t>
+            </a:r>
+          </a:p>
+          <a:p>
             <a:r>
               <a:rPr lang="cs-CZ" dirty="0">
                 <a:solidFill>
                   <a:schemeClr val="bg1"/>
                 </a:solidFill>
               </a:rPr>
-              <a:t>&amp;</a:t>
-            </a:r>
-          </a:p>
-          <a:p>
-            <a:r>
-              <a:rPr lang="cs-CZ" dirty="0" err="1">
-                <a:solidFill>
-                  <a:schemeClr val="bg1"/>
-                </a:solidFill>
-              </a:rPr>
-              <a:t>docker</a:t>
-            </a:r>
+              <a:t>docker exec</a:t>
+            </a:r>
+          </a:p>
+          <a:p>
             <a:r>
               <a:rPr lang="cs-CZ" dirty="0">
                 <a:solidFill>
                   <a:schemeClr val="bg1"/>
                 </a:solidFill>
               </a:rPr>
-              <a:t> </a:t>
-            </a:r>
-            <a:r>
-              <a:rPr lang="cs-CZ" dirty="0" err="1">
-                <a:solidFill>
-                  <a:schemeClr val="bg1"/>
-                </a:solidFill>
-              </a:rPr>
-              <a:t>exec</a:t>
-            </a:r>
-            <a:endParaRPr lang="cs-CZ" dirty="0">
-              <a:solidFill>
-                <a:schemeClr val="bg1"/>
-              </a:solidFill>
-            </a:endParaRPr>
-          </a:p>
-          <a:p>
-            <a:r>
-              <a:rPr lang="cs-CZ" dirty="0" err="1">
-                <a:solidFill>
-                  <a:schemeClr val="bg1"/>
-                </a:solidFill>
-              </a:rPr>
-              <a:t>docker</a:t>
-            </a:r>
-            <a:r>
-              <a:rPr lang="cs-CZ" dirty="0">
-                <a:solidFill>
-                  <a:schemeClr val="bg1"/>
-                </a:solidFill>
-              </a:rPr>
-              <a:t> </a:t>
-            </a:r>
-            <a:r>
-              <a:rPr lang="cs-CZ" dirty="0" err="1">
-                <a:solidFill>
-                  <a:schemeClr val="bg1"/>
-                </a:solidFill>
-              </a:rPr>
-              <a:t>cp</a:t>
-            </a:r>
-            <a:endParaRPr lang="cs-CZ" dirty="0">
-              <a:solidFill>
-                <a:schemeClr val="bg1"/>
-              </a:solidFill>
-            </a:endParaRPr>
+              <a:t>docker cp</a:t>
+            </a:r>
           </a:p>
         </p:txBody>
       </p:sp>
@@ -5035,21 +4880,8 @@
                   <a:schemeClr val="bg1"/>
                 </a:solidFill>
               </a:rPr>
-              <a:t>lokální i vzdálená správa pomocí HTTP </a:t>
-            </a:r>
-            <a:r>
-              <a:rPr lang="cs-CZ" dirty="0" err="1">
-                <a:solidFill>
-                  <a:schemeClr val="bg1"/>
-                </a:solidFill>
-              </a:rPr>
-              <a:t>Requestů</a:t>
-            </a:r>
-            <a:endParaRPr lang="cs-CZ" dirty="0">
-              <a:solidFill>
-                <a:schemeClr val="bg1"/>
-              </a:solidFill>
-            </a:endParaRPr>
+              <a:t>lokální i vzdálená správa pomocí HTTP Requestů</a:t>
+            </a:r>
           </a:p>
           <a:p>
             <a:pPr lvl="1"/>
@@ -5059,63 +4891,18 @@
                   <a:schemeClr val="bg1"/>
                 </a:solidFill>
               </a:rPr>
-              <a:t>--</a:t>
-            </a:r>
-            <a:r>
-              <a:rPr lang="cs-CZ" dirty="0" err="1">
-                <a:solidFill>
-                  <a:schemeClr val="bg1"/>
-                </a:solidFill>
-              </a:rPr>
-              <a:t>unix-socket</a:t>
-            </a:r>
+              <a:t>--unix-socket /var/run/docker.sock</a:t>
+            </a:r>
+          </a:p>
+          <a:p>
+            <a:pPr lvl="1"/>
             <a:r>
               <a:rPr lang="cs-CZ" dirty="0">
                 <a:solidFill>
                   <a:schemeClr val="bg1"/>
                 </a:solidFill>
               </a:rPr>
-              <a:t> /var/run/</a:t>
-            </a:r>
-            <a:r>
-              <a:rPr lang="cs-CZ" dirty="0" err="1">
-                <a:solidFill>
-                  <a:schemeClr val="bg1"/>
-                </a:solidFill>
-              </a:rPr>
-              <a:t>docker.sock</a:t>
-            </a:r>
-            <a:endParaRPr lang="cs-CZ" dirty="0">
-              <a:solidFill>
-                <a:schemeClr val="bg1"/>
-              </a:solidFill>
-            </a:endParaRPr>
-          </a:p>
-          <a:p>
-            <a:pPr lvl="1"/>
-            <a:r>
-              <a:rPr lang="cs-CZ" dirty="0">
-                <a:solidFill>
-                  <a:schemeClr val="bg1"/>
-                </a:solidFill>
-              </a:rPr>
-              <a:t>povolení </a:t>
-            </a:r>
-            <a:r>
-              <a:rPr lang="cs-CZ" dirty="0" err="1">
-                <a:solidFill>
-                  <a:schemeClr val="bg1"/>
-                </a:solidFill>
-              </a:rPr>
-              <a:t>remote</a:t>
-            </a:r>
-            <a:r>
-              <a:rPr lang="cs-CZ" dirty="0">
-                <a:solidFill>
-                  <a:schemeClr val="bg1"/>
-                </a:solidFill>
-              </a:rPr>
-              <a:t> portu</a:t>
+              <a:t>povolení remote portu</a:t>
             </a:r>
           </a:p>
           <a:p>
@@ -5224,20 +5011,12 @@
           <a:lstStyle/>
           <a:p>
             <a:r>
-              <a:rPr lang="cs-CZ" dirty="0" err="1">
-                <a:solidFill>
-                  <a:schemeClr val="bg1"/>
-                </a:solidFill>
-              </a:rPr>
-              <a:t>Portainer</a:t>
-            </a:r>
-            <a:r>
               <a:rPr lang="cs-CZ" dirty="0">
                 <a:solidFill>
                   <a:schemeClr val="bg1"/>
                 </a:solidFill>
               </a:rPr>
-              <a:t> - </a:t>
+              <a:t>Portainer - </a:t>
             </a:r>
             <a:r>
               <a:rPr lang="cs-CZ" dirty="0">
@@ -5256,20 +5035,12 @@
           </a:p>
           <a:p>
             <a:r>
-              <a:rPr lang="cs-CZ" dirty="0" err="1">
-                <a:solidFill>
-                  <a:schemeClr val="bg1"/>
-                </a:solidFill>
-              </a:rPr>
-              <a:t>Shipyard</a:t>
-            </a:r>
-            <a:r>
               <a:rPr lang="cs-CZ" dirty="0">
                 <a:solidFill>
                   <a:schemeClr val="bg1"/>
                 </a:solidFill>
               </a:rPr>
-              <a:t> - </a:t>
+              <a:t>Shipyard - </a:t>
             </a:r>
             <a:r>
               <a:rPr lang="cs-CZ" dirty="0">
@@ -5288,20 +5059,12 @@
           </a:p>
           <a:p>
             <a:r>
-              <a:rPr lang="cs-CZ" dirty="0" err="1">
-                <a:solidFill>
-                  <a:schemeClr val="bg1"/>
-                </a:solidFill>
-              </a:rPr>
-              <a:t>Kubernetes</a:t>
-            </a:r>
-            <a:r>
               <a:rPr lang="cs-CZ" dirty="0">
                 <a:solidFill>
                   <a:schemeClr val="bg1"/>
                 </a:solidFill>
               </a:rPr>
-              <a:t> - </a:t>
+              <a:t>Kubernetes - </a:t>
             </a:r>
             <a:r>
               <a:rPr lang="cs-CZ" dirty="0">
@@ -5396,23 +5159,7 @@
                   <a:schemeClr val="bg1"/>
                 </a:solidFill>
               </a:rPr>
-              <a:t>A jak to máme na </a:t>
-            </a:r>
-            <a:r>
-              <a:rPr lang="cs-CZ" dirty="0" err="1">
-                <a:solidFill>
-                  <a:schemeClr val="bg1"/>
-                </a:solidFill>
-              </a:rPr>
-              <a:t>FIMu</a:t>
-            </a:r>
-            <a:r>
-              <a:rPr lang="cs-CZ" dirty="0">
-                <a:solidFill>
-                  <a:schemeClr val="bg1"/>
-                </a:solidFill>
-              </a:rPr>
-              <a:t>?</a:t>
+              <a:t>A jak to máme na FIMu?</a:t>
             </a:r>
           </a:p>
         </p:txBody>
@@ -5448,21 +5195,8 @@
                   <a:schemeClr val="bg1"/>
                 </a:solidFill>
               </a:rPr>
-              <a:t>2 násobný port-</a:t>
-            </a:r>
-            <a:r>
-              <a:rPr lang="cs-CZ" dirty="0" err="1">
-                <a:solidFill>
-                  <a:schemeClr val="bg1"/>
-                </a:solidFill>
-              </a:rPr>
-              <a:t>forwarding</a:t>
-            </a:r>
-            <a:endParaRPr lang="cs-CZ" dirty="0">
-              <a:solidFill>
-                <a:schemeClr val="bg1"/>
-              </a:solidFill>
-            </a:endParaRPr>
+              <a:t>2 násobný port-forwarding</a:t>
+            </a:r>
           </a:p>
         </p:txBody>
       </p:sp>
@@ -5628,12 +5362,7 @@
             <p:ph type="title"/>
           </p:nvPr>
         </p:nvSpPr>
-        <p:spPr>
-          <a:xfrm>
-            <a:off x="2931404" y="2480364"/>
-            <a:ext cx="6267679" cy="2003501"/>
-          </a:xfrm>
-        </p:spPr>
+        <p:spPr/>
         <p:txBody>
           <a:bodyPr>
             <a:noAutofit/>
@@ -5641,20 +5370,230 @@
           <a:lstStyle/>
           <a:p>
             <a:r>
-              <a:rPr lang="cs-CZ" sz="6000" dirty="0">
+              <a:rPr lang="cs-CZ" sz="4800" dirty="0">
                 <a:solidFill>
                   <a:schemeClr val="bg1"/>
                 </a:solidFill>
               </a:rPr>
-              <a:t>Něco nebylo jasné?</a:t>
-            </a:r>
-          </a:p>
-        </p:txBody>
-      </p:sp>
+              <a:t>Chcete používat Docker u nás?</a:t>
+            </a:r>
+          </a:p>
+        </p:txBody>
+      </p:sp>
+      <p:sp>
+        <p:nvSpPr>
+          <p:cNvPr id="3" name="Zástupný symbol pro obsah 2"/>
+          <p:cNvSpPr>
+            <a:spLocks noGrp="1"/>
+          </p:cNvSpPr>
+          <p:nvPr>
+            <p:ph idx="1"/>
+          </p:nvPr>
+        </p:nvSpPr>
+        <p:spPr>
+          <a:xfrm>
+            <a:off x="921327" y="1695080"/>
+            <a:ext cx="10515600" cy="4351338"/>
+          </a:xfrm>
+          <a:noFill/>
+        </p:spPr>
+        <p:txBody>
+          <a:bodyPr>
+            <a:normAutofit fontScale="92500" lnSpcReduction="10000"/>
+          </a:bodyPr>
+          <a:lstStyle/>
+          <a:p>
+            <a:pPr marL="0" indent="0">
+              <a:buNone/>
+            </a:pPr>
+            <a:r>
+              <a:rPr lang="cs-CZ" sz="3600" dirty="0">
+                <a:solidFill>
+                  <a:schemeClr val="bg1"/>
+                </a:solidFill>
+              </a:rPr>
+              <a:t>Co nabízíme:</a:t>
+            </a:r>
+          </a:p>
+          <a:p>
+            <a:pPr lvl="1"/>
+            <a:r>
+              <a:rPr lang="cs-CZ" sz="3200" dirty="0">
+                <a:solidFill>
+                  <a:schemeClr val="bg1"/>
+                </a:solidFill>
+              </a:rPr>
+              <a:t>možnost využít Docker pro hostování studentských projektů</a:t>
+            </a:r>
+          </a:p>
+          <a:p>
+            <a:pPr lvl="1"/>
+            <a:r>
+              <a:rPr lang="cs-CZ" sz="3200" dirty="0">
+                <a:solidFill>
+                  <a:schemeClr val="bg1"/>
+                </a:solidFill>
+              </a:rPr>
+              <a:t>vyzkoušet si Docker bez nutnosti instalace a konfigurace</a:t>
+            </a:r>
+          </a:p>
+          <a:p>
+            <a:pPr lvl="1"/>
+            <a:r>
+              <a:rPr lang="cs-CZ" sz="3200" dirty="0">
+                <a:solidFill>
+                  <a:schemeClr val="bg1"/>
+                </a:solidFill>
+              </a:rPr>
+              <a:t>vzdálený přístup, 4 otevřené porty (po domluvě možné navýšit) a desítky GB prostoru</a:t>
+            </a:r>
+          </a:p>
+          <a:p>
+            <a:pPr marL="457200" lvl="1" indent="0">
+              <a:buNone/>
+            </a:pPr>
+            <a:endParaRPr lang="cs-CZ" sz="3200" dirty="0">
+              <a:solidFill>
+                <a:schemeClr val="bg1"/>
+              </a:solidFill>
+            </a:endParaRPr>
+          </a:p>
+          <a:p>
+            <a:pPr marL="0" indent="0">
+              <a:buNone/>
+            </a:pPr>
+            <a:r>
+              <a:rPr lang="cs-CZ" sz="3600" dirty="0">
+                <a:solidFill>
+                  <a:schemeClr val="bg1"/>
+                </a:solidFill>
+              </a:rPr>
+              <a:t>		Pro více informací pište na</a:t>
+            </a:r>
+          </a:p>
+          <a:p>
+            <a:pPr marL="0" indent="0">
+              <a:buNone/>
+            </a:pPr>
+            <a:r>
+              <a:rPr lang="cs-CZ" sz="3600" dirty="0">
+                <a:solidFill>
+                  <a:schemeClr val="bg1"/>
+                </a:solidFill>
+              </a:rPr>
+              <a:t>	 			imit@uhk.cz </a:t>
+            </a:r>
+          </a:p>
+          <a:p>
+            <a:pPr marL="0" indent="0">
+              <a:buNone/>
+            </a:pPr>
+            <a:r>
+              <a:rPr lang="cs-CZ" sz="3600" dirty="0">
+                <a:solidFill>
+                  <a:schemeClr val="bg1"/>
+                </a:solidFill>
+              </a:rPr>
+              <a:t>				fb.com/imit.uhk</a:t>
+            </a:r>
+            <a:endParaRPr lang="cs-CZ" sz="3600" dirty="0">
+              <a:solidFill>
+                <a:schemeClr val="bg1"/>
+              </a:solidFill>
+            </a:endParaRPr>
+          </a:p>
+          <a:p>
+            <a:pPr lvl="1"/>
+            <a:endParaRPr lang="cs-CZ" sz="3200" dirty="0">
+              <a:solidFill>
+                <a:schemeClr val="bg1"/>
+              </a:solidFill>
+            </a:endParaRPr>
+          </a:p>
+        </p:txBody>
+      </p:sp>
+      <p:grpSp>
+        <p:nvGrpSpPr>
+          <p:cNvPr id="7" name="Skupina 6"/>
+          <p:cNvGrpSpPr/>
+          <p:nvPr/>
+        </p:nvGrpSpPr>
+        <p:grpSpPr>
+          <a:xfrm>
+            <a:off x="3952008" y="4684063"/>
+            <a:ext cx="605641" cy="1128909"/>
+            <a:chOff x="2040081" y="4695938"/>
+            <a:chExt cx="605641" cy="1128909"/>
+          </a:xfrm>
+        </p:grpSpPr>
+        <p:pic>
+          <p:nvPicPr>
+            <p:cNvPr id="4" name="Obrázek 3" descr="Original file ‎ (SVG file, nominally 267 × 267 pixels, file size: 1 ..."/>
+            <p:cNvPicPr>
+              <a:picLocks noChangeAspect="1"/>
+            </p:cNvPicPr>
+            <p:nvPr/>
+          </p:nvPicPr>
+          <p:blipFill>
+            <a:blip r:embed="rId2" cstate="print">
+              <a:extLst>
+                <a:ext uri="{28A0092B-C50C-407E-A947-70E740481C1C}">
+                  <a14:useLocalDpi xmlns:a14="http://schemas.microsoft.com/office/drawing/2010/main" val="0"/>
+                </a:ext>
+              </a:extLst>
+            </a:blip>
+            <a:stretch>
+              <a:fillRect/>
+            </a:stretch>
+          </p:blipFill>
+          <p:spPr>
+            <a:xfrm>
+              <a:off x="2096984" y="5333011"/>
+              <a:ext cx="491836" cy="491836"/>
+            </a:xfrm>
+            <a:prstGeom prst="rect">
+              <a:avLst/>
+            </a:prstGeom>
+          </p:spPr>
+        </p:pic>
+        <p:sp>
+          <p:nvSpPr>
+            <p:cNvPr id="6" name="TextovéPole 5"/>
+            <p:cNvSpPr txBox="1"/>
+            <p:nvPr/>
+          </p:nvSpPr>
+          <p:spPr>
+            <a:xfrm>
+              <a:off x="2040081" y="4695938"/>
+              <a:ext cx="605641" cy="707886"/>
+            </a:xfrm>
+            <a:prstGeom prst="rect">
+              <a:avLst/>
+            </a:prstGeom>
+            <a:noFill/>
+          </p:spPr>
+          <p:txBody>
+            <a:bodyPr wrap="square" rtlCol="0">
+              <a:spAutoFit/>
+            </a:bodyPr>
+            <a:lstStyle/>
+            <a:p>
+              <a:r>
+                <a:rPr lang="cs-CZ" sz="4000" dirty="0">
+                  <a:solidFill>
+                    <a:schemeClr val="bg1"/>
+                  </a:solidFill>
+                </a:rPr>
+                <a:t>@</a:t>
+              </a:r>
+            </a:p>
+          </p:txBody>
+        </p:sp>
+      </p:grpSp>
     </p:spTree>
     <p:extLst>
       <p:ext uri="{BB962C8B-B14F-4D97-AF65-F5344CB8AC3E}">
-        <p14:creationId xmlns:p14="http://schemas.microsoft.com/office/powerpoint/2010/main" val="3671577916"/>
+        <p14:creationId xmlns:p14="http://schemas.microsoft.com/office/powerpoint/2010/main" val="3324551757"/>
       </p:ext>
     </p:extLst>
   </p:cSld>
@@ -5727,23 +5666,7 @@
                   <a:schemeClr val="bg1"/>
                 </a:solidFill>
               </a:rPr>
-              <a:t>Proč všichni chtějí </a:t>
-            </a:r>
-            <a:r>
-              <a:rPr lang="cs-CZ" dirty="0" err="1">
-                <a:solidFill>
-                  <a:schemeClr val="bg1"/>
-                </a:solidFill>
-              </a:rPr>
-              <a:t>Docker</a:t>
-            </a:r>
-            <a:r>
-              <a:rPr lang="cs-CZ" dirty="0">
-                <a:solidFill>
-                  <a:schemeClr val="bg1"/>
-                </a:solidFill>
-              </a:rPr>
-              <a:t>?</a:t>
+              <a:t>Proč všichni chtějí Docker?</a:t>
             </a:r>
           </a:p>
         </p:txBody>
@@ -5877,23 +5800,7 @@
                   <a:schemeClr val="bg1"/>
                 </a:solidFill>
               </a:rPr>
-              <a:t>Kontejnerizace </a:t>
-            </a:r>
-            <a:r>
-              <a:rPr lang="cs-CZ" dirty="0" err="1">
-                <a:solidFill>
-                  <a:schemeClr val="bg1"/>
-                </a:solidFill>
-              </a:rPr>
-              <a:t>vs</a:t>
-            </a:r>
-            <a:r>
-              <a:rPr lang="cs-CZ" dirty="0">
-                <a:solidFill>
-                  <a:schemeClr val="bg1"/>
-                </a:solidFill>
-              </a:rPr>
-              <a:t> virtualizace</a:t>
+              <a:t>Kontejnerizace vs virtualizace</a:t>
             </a:r>
           </a:p>
         </p:txBody>
@@ -5966,7 +5873,7 @@
           <a:lstStyle/>
           <a:p>
             <a:pPr algn="ctr"/>
-            <a:endParaRPr lang="cs-CZ">
+            <a:endParaRPr lang="cs-CZ" dirty="0">
               <a:solidFill>
                 <a:schemeClr val="bg1"/>
               </a:solidFill>
@@ -6013,7 +5920,7 @@
           <a:lstStyle/>
           <a:p>
             <a:pPr algn="ctr"/>
-            <a:endParaRPr lang="cs-CZ">
+            <a:endParaRPr lang="cs-CZ" dirty="0">
               <a:solidFill>
                 <a:schemeClr val="bg1"/>
               </a:solidFill>
@@ -6441,462 +6348,142 @@
           <a:lstStyle/>
           <a:p>
             <a:r>
-              <a:rPr lang="cs-CZ" sz="1800" dirty="0" err="1">
-                <a:solidFill>
-                  <a:schemeClr val="bg1"/>
-                </a:solidFill>
-              </a:rPr>
-              <a:t>docker</a:t>
-            </a:r>
-            <a:r>
               <a:rPr lang="cs-CZ" sz="1800" dirty="0">
                 <a:solidFill>
                   <a:schemeClr val="bg1"/>
                 </a:solidFill>
               </a:rPr>
-              <a:t> </a:t>
-            </a:r>
-            <a:r>
-              <a:rPr lang="cs-CZ" sz="1800" dirty="0" err="1">
-                <a:solidFill>
-                  <a:schemeClr val="bg1"/>
-                </a:solidFill>
-              </a:rPr>
-              <a:t>ps</a:t>
-            </a:r>
+              <a:t>docker ps ...</a:t>
+            </a:r>
+          </a:p>
+          <a:p>
             <a:r>
               <a:rPr lang="cs-CZ" sz="1800" dirty="0">
                 <a:solidFill>
                   <a:schemeClr val="bg1"/>
                 </a:solidFill>
               </a:rPr>
-              <a:t> ...</a:t>
-            </a:r>
-          </a:p>
-          <a:p>
-            <a:r>
-              <a:rPr lang="cs-CZ" sz="1800" dirty="0" err="1">
-                <a:solidFill>
-                  <a:schemeClr val="bg1"/>
-                </a:solidFill>
-              </a:rPr>
-              <a:t>docker</a:t>
-            </a:r>
+              <a:t>docker commit ...</a:t>
+            </a:r>
+          </a:p>
+          <a:p>
             <a:r>
               <a:rPr lang="cs-CZ" sz="1800" dirty="0">
                 <a:solidFill>
                   <a:schemeClr val="bg1"/>
                 </a:solidFill>
               </a:rPr>
-              <a:t> </a:t>
-            </a:r>
-            <a:r>
-              <a:rPr lang="cs-CZ" sz="1800" dirty="0" err="1">
-                <a:solidFill>
-                  <a:schemeClr val="bg1"/>
-                </a:solidFill>
-              </a:rPr>
-              <a:t>commit</a:t>
-            </a:r>
+              <a:t>docker rm ...</a:t>
+            </a:r>
+          </a:p>
+          <a:p>
             <a:r>
               <a:rPr lang="cs-CZ" sz="1800" dirty="0">
                 <a:solidFill>
                   <a:schemeClr val="bg1"/>
                 </a:solidFill>
               </a:rPr>
-              <a:t> ...</a:t>
-            </a:r>
-          </a:p>
-          <a:p>
-            <a:r>
-              <a:rPr lang="cs-CZ" sz="1800" dirty="0" err="1">
-                <a:solidFill>
-                  <a:schemeClr val="bg1"/>
-                </a:solidFill>
-              </a:rPr>
-              <a:t>docker</a:t>
-            </a:r>
+              <a:t>docker images ...</a:t>
+            </a:r>
+          </a:p>
+          <a:p>
             <a:r>
               <a:rPr lang="cs-CZ" sz="1800" dirty="0">
                 <a:solidFill>
                   <a:schemeClr val="bg1"/>
                 </a:solidFill>
               </a:rPr>
-              <a:t> </a:t>
-            </a:r>
-            <a:r>
-              <a:rPr lang="cs-CZ" sz="1800" dirty="0" err="1">
-                <a:solidFill>
-                  <a:schemeClr val="bg1"/>
-                </a:solidFill>
-              </a:rPr>
-              <a:t>rm</a:t>
-            </a:r>
+              <a:t>docker stats ...</a:t>
+            </a:r>
+          </a:p>
+          <a:p>
             <a:r>
               <a:rPr lang="cs-CZ" sz="1800" dirty="0">
                 <a:solidFill>
                   <a:schemeClr val="bg1"/>
                 </a:solidFill>
               </a:rPr>
-              <a:t> ...</a:t>
-            </a:r>
-          </a:p>
-          <a:p>
-            <a:r>
-              <a:rPr lang="cs-CZ" sz="1800" dirty="0" err="1">
-                <a:solidFill>
-                  <a:schemeClr val="bg1"/>
-                </a:solidFill>
-              </a:rPr>
-              <a:t>docker</a:t>
-            </a:r>
+              <a:t>docker logs ...</a:t>
+            </a:r>
+          </a:p>
+          <a:p>
             <a:r>
               <a:rPr lang="cs-CZ" sz="1800" dirty="0">
                 <a:solidFill>
                   <a:schemeClr val="bg1"/>
                 </a:solidFill>
               </a:rPr>
-              <a:t> </a:t>
-            </a:r>
-            <a:r>
-              <a:rPr lang="cs-CZ" sz="1800" dirty="0" err="1">
-                <a:solidFill>
-                  <a:schemeClr val="bg1"/>
-                </a:solidFill>
-              </a:rPr>
-              <a:t>images</a:t>
-            </a:r>
+              <a:t>docker swarm ...</a:t>
+            </a:r>
+          </a:p>
+          <a:p>
             <a:r>
               <a:rPr lang="cs-CZ" sz="1800" dirty="0">
                 <a:solidFill>
                   <a:schemeClr val="bg1"/>
                 </a:solidFill>
               </a:rPr>
-              <a:t> ...</a:t>
-            </a:r>
-          </a:p>
-          <a:p>
-            <a:r>
-              <a:rPr lang="cs-CZ" sz="1800" dirty="0" err="1">
-                <a:solidFill>
-                  <a:schemeClr val="bg1"/>
-                </a:solidFill>
-              </a:rPr>
-              <a:t>docker</a:t>
-            </a:r>
+              <a:t>docker service ...</a:t>
+            </a:r>
+          </a:p>
+          <a:p>
             <a:r>
               <a:rPr lang="cs-CZ" sz="1800" dirty="0">
                 <a:solidFill>
                   <a:schemeClr val="bg1"/>
                 </a:solidFill>
               </a:rPr>
-              <a:t> </a:t>
-            </a:r>
-            <a:r>
-              <a:rPr lang="cs-CZ" sz="1800" dirty="0" err="1">
-                <a:solidFill>
-                  <a:schemeClr val="bg1"/>
-                </a:solidFill>
-              </a:rPr>
-              <a:t>stats</a:t>
-            </a:r>
+              <a:t>docker exec ...</a:t>
+            </a:r>
+          </a:p>
+          <a:p>
             <a:r>
               <a:rPr lang="cs-CZ" sz="1800" dirty="0">
                 <a:solidFill>
                   <a:schemeClr val="bg1"/>
                 </a:solidFill>
               </a:rPr>
-              <a:t> ...</a:t>
-            </a:r>
-          </a:p>
-          <a:p>
-            <a:r>
-              <a:rPr lang="cs-CZ" sz="1800" dirty="0" err="1">
-                <a:solidFill>
-                  <a:schemeClr val="bg1"/>
-                </a:solidFill>
-              </a:rPr>
-              <a:t>docker</a:t>
-            </a:r>
+              <a:t>docker cp ...</a:t>
+            </a:r>
+          </a:p>
+          <a:p>
             <a:r>
               <a:rPr lang="cs-CZ" sz="1800" dirty="0">
                 <a:solidFill>
                   <a:schemeClr val="bg1"/>
                 </a:solidFill>
               </a:rPr>
-              <a:t> </a:t>
-            </a:r>
-            <a:r>
-              <a:rPr lang="cs-CZ" sz="1800" dirty="0" err="1">
-                <a:solidFill>
-                  <a:schemeClr val="bg1"/>
-                </a:solidFill>
-              </a:rPr>
-              <a:t>logs</a:t>
-            </a:r>
+              <a:t>docker attach ...</a:t>
+            </a:r>
+          </a:p>
+          <a:p>
             <a:r>
               <a:rPr lang="cs-CZ" sz="1800" dirty="0">
                 <a:solidFill>
                   <a:schemeClr val="bg1"/>
                 </a:solidFill>
               </a:rPr>
-              <a:t> ...</a:t>
-            </a:r>
-          </a:p>
-          <a:p>
-            <a:r>
-              <a:rPr lang="cs-CZ" sz="1800" dirty="0" err="1">
-                <a:solidFill>
-                  <a:schemeClr val="bg1"/>
-                </a:solidFill>
-              </a:rPr>
-              <a:t>docker</a:t>
-            </a:r>
+              <a:t>docker rmi ...</a:t>
+            </a:r>
+          </a:p>
+          <a:p>
             <a:r>
               <a:rPr lang="cs-CZ" sz="1800" dirty="0">
                 <a:solidFill>
                   <a:schemeClr val="bg1"/>
                 </a:solidFill>
               </a:rPr>
-              <a:t> </a:t>
-            </a:r>
-            <a:r>
-              <a:rPr lang="cs-CZ" sz="1800" dirty="0" err="1">
-                <a:solidFill>
-                  <a:schemeClr val="bg1"/>
-                </a:solidFill>
-              </a:rPr>
-              <a:t>swarm</a:t>
-            </a:r>
+              <a:t>docker kill ...</a:t>
+            </a:r>
+          </a:p>
+          <a:p>
             <a:r>
               <a:rPr lang="cs-CZ" sz="1800" dirty="0">
                 <a:solidFill>
                   <a:schemeClr val="bg1"/>
                 </a:solidFill>
               </a:rPr>
-              <a:t> ...</a:t>
-            </a:r>
-          </a:p>
-          <a:p>
-            <a:r>
-              <a:rPr lang="cs-CZ" sz="1800" dirty="0" err="1">
-                <a:solidFill>
-                  <a:schemeClr val="bg1"/>
-                </a:solidFill>
-              </a:rPr>
-              <a:t>docker</a:t>
-            </a:r>
-            <a:r>
-              <a:rPr lang="cs-CZ" sz="1800" dirty="0">
-                <a:solidFill>
-                  <a:schemeClr val="bg1"/>
-                </a:solidFill>
-              </a:rPr>
-              <a:t> </a:t>
-            </a:r>
-            <a:r>
-              <a:rPr lang="cs-CZ" sz="1800" dirty="0" err="1">
-                <a:solidFill>
-                  <a:schemeClr val="bg1"/>
-                </a:solidFill>
-              </a:rPr>
-              <a:t>service</a:t>
-            </a:r>
-            <a:r>
-              <a:rPr lang="cs-CZ" sz="1800" dirty="0">
-                <a:solidFill>
-                  <a:schemeClr val="bg1"/>
-                </a:solidFill>
-              </a:rPr>
-              <a:t> ...</a:t>
-            </a:r>
-          </a:p>
-          <a:p>
-            <a:r>
-              <a:rPr lang="cs-CZ" sz="1800" dirty="0" err="1">
-                <a:solidFill>
-                  <a:schemeClr val="bg1"/>
-                </a:solidFill>
-              </a:rPr>
-              <a:t>docker</a:t>
-            </a:r>
-            <a:r>
-              <a:rPr lang="cs-CZ" sz="1800" dirty="0">
-                <a:solidFill>
-                  <a:schemeClr val="bg1"/>
-                </a:solidFill>
-              </a:rPr>
-              <a:t> </a:t>
-            </a:r>
-            <a:r>
-              <a:rPr lang="cs-CZ" sz="1800" dirty="0" err="1">
-                <a:solidFill>
-                  <a:schemeClr val="bg1"/>
-                </a:solidFill>
-              </a:rPr>
-              <a:t>exec</a:t>
-            </a:r>
-            <a:r>
-              <a:rPr lang="cs-CZ" sz="1800" dirty="0">
-                <a:solidFill>
-                  <a:schemeClr val="bg1"/>
-                </a:solidFill>
-              </a:rPr>
-              <a:t> ...</a:t>
-            </a:r>
-          </a:p>
-          <a:p>
-            <a:r>
-              <a:rPr lang="cs-CZ" sz="1800" dirty="0" err="1">
-                <a:solidFill>
-                  <a:schemeClr val="bg1"/>
-                </a:solidFill>
-              </a:rPr>
-              <a:t>docker</a:t>
-            </a:r>
-            <a:r>
-              <a:rPr lang="cs-CZ" sz="1800" dirty="0">
-                <a:solidFill>
-                  <a:schemeClr val="bg1"/>
-                </a:solidFill>
-              </a:rPr>
-              <a:t> </a:t>
-            </a:r>
-            <a:r>
-              <a:rPr lang="cs-CZ" sz="1800" dirty="0" err="1">
-                <a:solidFill>
-                  <a:schemeClr val="bg1"/>
-                </a:solidFill>
-              </a:rPr>
-              <a:t>cp</a:t>
-            </a:r>
-            <a:r>
-              <a:rPr lang="cs-CZ" sz="1800" dirty="0">
-                <a:solidFill>
-                  <a:schemeClr val="bg1"/>
-                </a:solidFill>
-              </a:rPr>
-              <a:t> ...</a:t>
-            </a:r>
-          </a:p>
-          <a:p>
-            <a:r>
-              <a:rPr lang="cs-CZ" sz="1800" dirty="0" err="1">
-                <a:solidFill>
-                  <a:schemeClr val="bg1"/>
-                </a:solidFill>
-              </a:rPr>
-              <a:t>docker</a:t>
-            </a:r>
-            <a:r>
-              <a:rPr lang="cs-CZ" sz="1800" dirty="0">
-                <a:solidFill>
-                  <a:schemeClr val="bg1"/>
-                </a:solidFill>
-              </a:rPr>
-              <a:t> </a:t>
-            </a:r>
-            <a:r>
-              <a:rPr lang="cs-CZ" sz="1800" dirty="0" err="1">
-                <a:solidFill>
-                  <a:schemeClr val="bg1"/>
-                </a:solidFill>
-              </a:rPr>
-              <a:t>attach</a:t>
-            </a:r>
-            <a:r>
-              <a:rPr lang="cs-CZ" sz="1800" dirty="0">
-                <a:solidFill>
-                  <a:schemeClr val="bg1"/>
-                </a:solidFill>
-              </a:rPr>
-              <a:t> ...</a:t>
-            </a:r>
-          </a:p>
-          <a:p>
-            <a:r>
-              <a:rPr lang="cs-CZ" sz="1800" dirty="0" err="1">
-                <a:solidFill>
-                  <a:schemeClr val="bg1"/>
-                </a:solidFill>
-              </a:rPr>
-              <a:t>docker</a:t>
-            </a:r>
-            <a:r>
-              <a:rPr lang="cs-CZ" sz="1800" dirty="0">
-                <a:solidFill>
-                  <a:schemeClr val="bg1"/>
-                </a:solidFill>
-              </a:rPr>
-              <a:t> </a:t>
-            </a:r>
-            <a:r>
-              <a:rPr lang="cs-CZ" sz="1800" dirty="0" err="1">
-                <a:solidFill>
-                  <a:schemeClr val="bg1"/>
-                </a:solidFill>
-              </a:rPr>
-              <a:t>rmi</a:t>
-            </a:r>
-            <a:r>
-              <a:rPr lang="cs-CZ" sz="1800" dirty="0">
-                <a:solidFill>
-                  <a:schemeClr val="bg1"/>
-                </a:solidFill>
-              </a:rPr>
-              <a:t> ...</a:t>
-            </a:r>
-          </a:p>
-          <a:p>
-            <a:r>
-              <a:rPr lang="cs-CZ" sz="1800" dirty="0" err="1">
-                <a:solidFill>
-                  <a:schemeClr val="bg1"/>
-                </a:solidFill>
-              </a:rPr>
-              <a:t>docker</a:t>
-            </a:r>
-            <a:r>
-              <a:rPr lang="cs-CZ" sz="1800" dirty="0">
-                <a:solidFill>
-                  <a:schemeClr val="bg1"/>
-                </a:solidFill>
-              </a:rPr>
-              <a:t> </a:t>
-            </a:r>
-            <a:r>
-              <a:rPr lang="cs-CZ" sz="1800" dirty="0" err="1">
-                <a:solidFill>
-                  <a:schemeClr val="bg1"/>
-                </a:solidFill>
-              </a:rPr>
-              <a:t>kill</a:t>
-            </a:r>
-            <a:r>
-              <a:rPr lang="cs-CZ" sz="1800" dirty="0">
-                <a:solidFill>
-                  <a:schemeClr val="bg1"/>
-                </a:solidFill>
-              </a:rPr>
-              <a:t> ...</a:t>
-            </a:r>
-          </a:p>
-          <a:p>
-            <a:r>
-              <a:rPr lang="cs-CZ" sz="1800" dirty="0" err="1">
-                <a:solidFill>
-                  <a:schemeClr val="bg1"/>
-                </a:solidFill>
-              </a:rPr>
-              <a:t>docker</a:t>
-            </a:r>
-            <a:r>
-              <a:rPr lang="cs-CZ" sz="1800" dirty="0">
-                <a:solidFill>
-                  <a:schemeClr val="bg1"/>
-                </a:solidFill>
-              </a:rPr>
-              <a:t> start ...</a:t>
+              <a:t>docker start ...</a:t>
             </a:r>
           </a:p>
         </p:txBody>
@@ -8613,23 +8200,7 @@
                   <a:schemeClr val="bg1"/>
                 </a:solidFill>
               </a:rPr>
-              <a:t>Co </a:t>
-            </a:r>
-            <a:r>
-              <a:rPr lang="cs-CZ" dirty="0" err="1">
-                <a:solidFill>
-                  <a:schemeClr val="bg1"/>
-                </a:solidFill>
-              </a:rPr>
-              <a:t>Docker</a:t>
-            </a:r>
-            <a:r>
-              <a:rPr lang="cs-CZ" dirty="0">
-                <a:solidFill>
-                  <a:schemeClr val="bg1"/>
-                </a:solidFill>
-              </a:rPr>
-              <a:t> rozhodně není</a:t>
+              <a:t>Co Docker rozhodně není</a:t>
             </a:r>
           </a:p>
         </p:txBody>
@@ -8782,22 +8353,6 @@
           <a:p>
             <a:pPr algn="ctr"/>
             <a:r>
-              <a:rPr lang="cs-CZ" dirty="0" err="1">
-                <a:ln w="0"/>
-                <a:solidFill>
-                  <a:schemeClr val="tx1"/>
-                </a:solidFill>
-                <a:effectLst>
-                  <a:outerShdw blurRad="38100" dist="19050" dir="2700000" algn="tl" rotWithShape="0">
-                    <a:schemeClr val="dk1">
-                      <a:alpha val="40000"/>
-                    </a:schemeClr>
-                  </a:outerShdw>
-                </a:effectLst>
-              </a:rPr>
-              <a:t>Tomcat</a:t>
-            </a:r>
-            <a:r>
               <a:rPr lang="cs-CZ" dirty="0">
                 <a:ln w="0"/>
                 <a:solidFill>
@@ -8811,13 +8366,13 @@
                   </a:outerShdw>
                 </a:effectLst>
               </a:rPr>
-              <a:t>, XAMPP, </a:t>
+              <a:t>Tomcat, XAMPP, </a:t>
             </a:r>
           </a:p>
           <a:p>
             <a:pPr algn="ctr"/>
             <a:r>
-              <a:rPr lang="cs-CZ" dirty="0" err="1">
+              <a:rPr lang="cs-CZ" dirty="0">
                 <a:ln w="0"/>
                 <a:solidFill>
                   <a:schemeClr val="tx1"/>
@@ -8832,19 +8387,6 @@
               </a:rPr>
               <a:t>MySQL</a:t>
             </a:r>
-            <a:endParaRPr lang="cs-CZ" dirty="0">
-              <a:ln w="0"/>
-              <a:solidFill>
-                <a:schemeClr val="tx1"/>
-              </a:solidFill>
-              <a:effectLst>
-                <a:outerShdw blurRad="38100" dist="19050" dir="2700000" algn="tl" rotWithShape="0">
-                  <a:schemeClr val="dk1">
-                    <a:alpha val="40000"/>
-                  </a:schemeClr>
-                </a:outerShdw>
-              </a:effectLst>
-            </a:endParaRPr>
           </a:p>
           <a:p>
             <a:pPr algn="ctr"/>
@@ -8902,22 +8444,6 @@
           <a:p>
             <a:pPr algn="ctr"/>
             <a:r>
-              <a:rPr lang="cs-CZ" dirty="0" err="1">
-                <a:ln w="0"/>
-                <a:solidFill>
-                  <a:schemeClr val="tx1"/>
-                </a:solidFill>
-                <a:effectLst>
-                  <a:outerShdw blurRad="38100" dist="19050" dir="2700000" algn="tl" rotWithShape="0">
-                    <a:schemeClr val="dk1">
-                      <a:alpha val="40000"/>
-                    </a:schemeClr>
-                  </a:outerShdw>
-                </a:effectLst>
-              </a:rPr>
-              <a:t>Tomcat</a:t>
-            </a:r>
-            <a:r>
               <a:rPr lang="cs-CZ" dirty="0">
                 <a:ln w="0"/>
                 <a:solidFill>
@@ -8931,13 +8457,13 @@
                   </a:outerShdw>
                 </a:effectLst>
               </a:rPr>
-              <a:t>, XAMPP, </a:t>
+              <a:t>Tomcat, XAMPP, </a:t>
             </a:r>
           </a:p>
           <a:p>
             <a:pPr algn="ctr"/>
             <a:r>
-              <a:rPr lang="cs-CZ" dirty="0" err="1">
+              <a:rPr lang="cs-CZ" dirty="0">
                 <a:ln w="0"/>
                 <a:solidFill>
                   <a:schemeClr val="tx1"/>
@@ -8952,19 +8478,6 @@
               </a:rPr>
               <a:t>MySQL</a:t>
             </a:r>
-            <a:endParaRPr lang="cs-CZ" dirty="0">
-              <a:ln w="0"/>
-              <a:solidFill>
-                <a:schemeClr val="tx1"/>
-              </a:solidFill>
-              <a:effectLst>
-                <a:outerShdw blurRad="38100" dist="19050" dir="2700000" algn="tl" rotWithShape="0">
-                  <a:schemeClr val="dk1">
-                    <a:alpha val="40000"/>
-                  </a:schemeClr>
-                </a:outerShdw>
-              </a:effectLst>
-            </a:endParaRPr>
           </a:p>
           <a:p>
             <a:pPr algn="ctr"/>
@@ -9017,23 +8530,7 @@
                   <a:schemeClr val="bg1"/>
                 </a:solidFill>
               </a:rPr>
-              <a:t>„migrace do </a:t>
-            </a:r>
-            <a:r>
-              <a:rPr lang="cs-CZ" dirty="0" err="1">
-                <a:solidFill>
-                  <a:schemeClr val="bg1"/>
-                </a:solidFill>
-              </a:rPr>
-              <a:t>Dockeru</a:t>
-            </a:r>
-            <a:r>
-              <a:rPr lang="cs-CZ" dirty="0">
-                <a:solidFill>
-                  <a:schemeClr val="bg1"/>
-                </a:solidFill>
-              </a:rPr>
-              <a:t>“</a:t>
+              <a:t>„migrace do Dockeru“</a:t>
             </a:r>
           </a:p>
         </p:txBody>
@@ -9078,7 +8575,7 @@
           <a:lstStyle/>
           <a:p>
             <a:pPr algn="ctr"/>
-            <a:endParaRPr lang="cs-CZ">
+            <a:endParaRPr lang="cs-CZ" dirty="0">
               <a:solidFill>
                 <a:schemeClr val="tx1"/>
               </a:solidFill>
@@ -9130,7 +8627,7 @@
           <a:lstStyle/>
           <a:p>
             <a:pPr algn="ctr"/>
-            <a:endParaRPr lang="cs-CZ"/>
+            <a:endParaRPr lang="cs-CZ" dirty="0"/>
           </a:p>
         </p:txBody>
       </p:sp>
@@ -10024,22 +9521,6 @@
           <a:p>
             <a:pPr algn="ctr"/>
             <a:r>
-              <a:rPr lang="cs-CZ" dirty="0" err="1">
-                <a:ln w="0"/>
-                <a:solidFill>
-                  <a:schemeClr val="tx1"/>
-                </a:solidFill>
-                <a:effectLst>
-                  <a:outerShdw blurRad="38100" dist="19050" dir="2700000" algn="tl" rotWithShape="0">
-                    <a:schemeClr val="dk1">
-                      <a:alpha val="40000"/>
-                    </a:schemeClr>
-                  </a:outerShdw>
-                </a:effectLst>
-              </a:rPr>
-              <a:t>Tomcat</a:t>
-            </a:r>
-            <a:r>
               <a:rPr lang="cs-CZ" dirty="0">
                 <a:ln w="0"/>
                 <a:solidFill>
@@ -10053,13 +9534,13 @@
                   </a:outerShdw>
                 </a:effectLst>
               </a:rPr>
-              <a:t>, XAMPP, </a:t>
+              <a:t>Tomcat, XAMPP, </a:t>
             </a:r>
           </a:p>
           <a:p>
             <a:pPr algn="ctr"/>
             <a:r>
-              <a:rPr lang="cs-CZ" dirty="0" err="1">
+              <a:rPr lang="cs-CZ" dirty="0">
                 <a:ln w="0"/>
                 <a:solidFill>
                   <a:schemeClr val="tx1"/>
@@ -10074,19 +9555,6 @@
               </a:rPr>
               <a:t>MySQL</a:t>
             </a:r>
-            <a:endParaRPr lang="cs-CZ" dirty="0">
-              <a:ln w="0"/>
-              <a:solidFill>
-                <a:schemeClr val="tx1"/>
-              </a:solidFill>
-              <a:effectLst>
-                <a:outerShdw blurRad="38100" dist="19050" dir="2700000" algn="tl" rotWithShape="0">
-                  <a:schemeClr val="dk1">
-                    <a:alpha val="40000"/>
-                  </a:schemeClr>
-                </a:outerShdw>
-              </a:effectLst>
-            </a:endParaRPr>
           </a:p>
           <a:p>
             <a:pPr algn="ctr"/>
@@ -10186,7 +9654,7 @@
           <a:p>
             <a:pPr algn="ctr"/>
             <a:r>
-              <a:rPr lang="cs-CZ" dirty="0" err="1">
+              <a:rPr lang="cs-CZ" dirty="0">
                 <a:ln w="0"/>
                 <a:solidFill>
                   <a:schemeClr val="tx1"/>
@@ -10201,19 +9669,6 @@
               </a:rPr>
               <a:t>Tomcat</a:t>
             </a:r>
-            <a:endParaRPr lang="cs-CZ" dirty="0">
-              <a:ln w="0"/>
-              <a:solidFill>
-                <a:schemeClr val="tx1"/>
-              </a:solidFill>
-              <a:effectLst>
-                <a:outerShdw blurRad="38100" dist="19050" dir="2700000" algn="tl" rotWithShape="0">
-                  <a:schemeClr val="dk1">
-                    <a:alpha val="40000"/>
-                  </a:schemeClr>
-                </a:outerShdw>
-              </a:effectLst>
-            </a:endParaRPr>
           </a:p>
         </p:txBody>
       </p:sp>
@@ -10395,7 +9850,7 @@
           <a:p>
             <a:pPr algn="ctr"/>
             <a:r>
-              <a:rPr lang="cs-CZ" dirty="0" err="1">
+              <a:rPr lang="cs-CZ" dirty="0">
                 <a:ln w="0"/>
                 <a:solidFill>
                   <a:schemeClr val="tx1"/>
@@ -10410,19 +9865,6 @@
               </a:rPr>
               <a:t>MySQL</a:t>
             </a:r>
-            <a:endParaRPr lang="cs-CZ" dirty="0">
-              <a:ln w="0"/>
-              <a:solidFill>
-                <a:schemeClr val="tx1"/>
-              </a:solidFill>
-              <a:effectLst>
-                <a:outerShdw blurRad="38100" dist="19050" dir="2700000" algn="tl" rotWithShape="0">
-                  <a:schemeClr val="dk1">
-                    <a:alpha val="40000"/>
-                  </a:schemeClr>
-                </a:outerShdw>
-              </a:effectLst>
-            </a:endParaRPr>
           </a:p>
           <a:p>
             <a:pPr algn="ctr"/>
@@ -10478,7 +9920,7 @@
           <a:lstStyle/>
           <a:p>
             <a:pPr algn="ctr"/>
-            <a:endParaRPr lang="cs-CZ"/>
+            <a:endParaRPr lang="cs-CZ" dirty="0"/>
           </a:p>
         </p:txBody>
       </p:sp>
